--- a/AnhVanChuyenNganh/Finding Bridges.pptx
+++ b/AnhVanChuyenNganh/Finding Bridges.pptx
@@ -302,6 +302,11 @@
       </a:defRPr>
     </a:lvl9pPr>
   </p:defaultTextStyle>
+  <p:extLst>
+    <p:ext uri="{EFAFB233-063F-42B5-8137-9DF3F51BA10A}">
+      <p15:sldGuideLst xmlns:p15="http://schemas.microsoft.com/office/powerpoint/2012/main"/>
+    </p:ext>
+  </p:extLst>
 </p:presentation>
 </file>
 
@@ -21195,8 +21200,8 @@
           </a:p>
         </p:txBody>
       </p:sp>
-      <mc:AlternateContent xmlns:mc="http://schemas.openxmlformats.org/markup-compatibility/2006">
-        <mc:Choice xmlns:p14="http://schemas.microsoft.com/office/powerpoint/2010/main" Requires="p14">
+      <mc:AlternateContent xmlns:mc="http://schemas.openxmlformats.org/markup-compatibility/2006" xmlns:p14="http://schemas.microsoft.com/office/powerpoint/2010/main">
+        <mc:Choice Requires="p14">
           <p:contentPart p14:bwMode="auto" r:id="rId4">
             <p14:nvContentPartPr>
               <p14:cNvPr id="10" name="Ink 9">
@@ -21215,7 +21220,7 @@
             </p14:xfrm>
           </p:contentPart>
         </mc:Choice>
-        <mc:Fallback>
+        <mc:Fallback xmlns="">
           <p:pic>
             <p:nvPicPr>
               <p:cNvPr id="10" name="Ink 9">
@@ -22457,8 +22462,8 @@
           </a:p>
         </p:txBody>
       </p:sp>
-      <mc:AlternateContent xmlns:mc="http://schemas.openxmlformats.org/markup-compatibility/2006">
-        <mc:Choice xmlns:p14="http://schemas.microsoft.com/office/powerpoint/2010/main" Requires="p14">
+      <mc:AlternateContent xmlns:mc="http://schemas.openxmlformats.org/markup-compatibility/2006" xmlns:p14="http://schemas.microsoft.com/office/powerpoint/2010/main">
+        <mc:Choice Requires="p14">
           <p:contentPart p14:bwMode="auto" r:id="rId4">
             <p14:nvContentPartPr>
               <p14:cNvPr id="9" name="Ink 8">
@@ -22477,7 +22482,7 @@
             </p14:xfrm>
           </p:contentPart>
         </mc:Choice>
-        <mc:Fallback>
+        <mc:Fallback xmlns="">
           <p:pic>
             <p:nvPicPr>
               <p:cNvPr id="9" name="Ink 8">
@@ -22508,8 +22513,8 @@
           </p:pic>
         </mc:Fallback>
       </mc:AlternateContent>
-      <mc:AlternateContent xmlns:mc="http://schemas.openxmlformats.org/markup-compatibility/2006">
-        <mc:Choice xmlns:p14="http://schemas.microsoft.com/office/powerpoint/2010/main" Requires="p14">
+      <mc:AlternateContent xmlns:mc="http://schemas.openxmlformats.org/markup-compatibility/2006" xmlns:p14="http://schemas.microsoft.com/office/powerpoint/2010/main">
+        <mc:Choice Requires="p14">
           <p:contentPart p14:bwMode="auto" r:id="rId6">
             <p14:nvContentPartPr>
               <p14:cNvPr id="10" name="Ink 9">
@@ -22528,7 +22533,7 @@
             </p14:xfrm>
           </p:contentPart>
         </mc:Choice>
-        <mc:Fallback>
+        <mc:Fallback xmlns="">
           <p:pic>
             <p:nvPicPr>
               <p:cNvPr id="10" name="Ink 9">
@@ -22559,8 +22564,8 @@
           </p:pic>
         </mc:Fallback>
       </mc:AlternateContent>
-      <mc:AlternateContent xmlns:mc="http://schemas.openxmlformats.org/markup-compatibility/2006">
-        <mc:Choice xmlns:p14="http://schemas.microsoft.com/office/powerpoint/2010/main" Requires="p14">
+      <mc:AlternateContent xmlns:mc="http://schemas.openxmlformats.org/markup-compatibility/2006" xmlns:p14="http://schemas.microsoft.com/office/powerpoint/2010/main">
+        <mc:Choice Requires="p14">
           <p:contentPart p14:bwMode="auto" r:id="rId8">
             <p14:nvContentPartPr>
               <p14:cNvPr id="11" name="Ink 10">
@@ -22579,7 +22584,7 @@
             </p14:xfrm>
           </p:contentPart>
         </mc:Choice>
-        <mc:Fallback>
+        <mc:Fallback xmlns="">
           <p:pic>
             <p:nvPicPr>
               <p:cNvPr id="11" name="Ink 10">
@@ -22610,8 +22615,8 @@
           </p:pic>
         </mc:Fallback>
       </mc:AlternateContent>
-      <mc:AlternateContent xmlns:mc="http://schemas.openxmlformats.org/markup-compatibility/2006">
-        <mc:Choice xmlns:p14="http://schemas.microsoft.com/office/powerpoint/2010/main" Requires="p14">
+      <mc:AlternateContent xmlns:mc="http://schemas.openxmlformats.org/markup-compatibility/2006" xmlns:p14="http://schemas.microsoft.com/office/powerpoint/2010/main">
+        <mc:Choice Requires="p14">
           <p:contentPart p14:bwMode="auto" r:id="rId10">
             <p14:nvContentPartPr>
               <p14:cNvPr id="12" name="Ink 11">
@@ -22630,7 +22635,7 @@
             </p14:xfrm>
           </p:contentPart>
         </mc:Choice>
-        <mc:Fallback>
+        <mc:Fallback xmlns="">
           <p:pic>
             <p:nvPicPr>
               <p:cNvPr id="12" name="Ink 11">
@@ -22681,8 +22686,8 @@
             <a:chExt cx="103680" cy="254520"/>
           </a:xfrm>
         </p:grpSpPr>
-        <mc:AlternateContent xmlns:mc="http://schemas.openxmlformats.org/markup-compatibility/2006">
-          <mc:Choice xmlns:p14="http://schemas.microsoft.com/office/powerpoint/2010/main" Requires="p14">
+        <mc:AlternateContent xmlns:mc="http://schemas.openxmlformats.org/markup-compatibility/2006" xmlns:p14="http://schemas.microsoft.com/office/powerpoint/2010/main">
+          <mc:Choice Requires="p14">
             <p:contentPart p14:bwMode="auto" r:id="rId12">
               <p14:nvContentPartPr>
                 <p14:cNvPr id="13" name="Ink 12">
@@ -22701,7 +22706,7 @@
               </p14:xfrm>
             </p:contentPart>
           </mc:Choice>
-          <mc:Fallback>
+          <mc:Fallback xmlns="">
             <p:pic>
               <p:nvPicPr>
                 <p:cNvPr id="13" name="Ink 12">
@@ -22732,8 +22737,8 @@
             </p:pic>
           </mc:Fallback>
         </mc:AlternateContent>
-        <mc:AlternateContent xmlns:mc="http://schemas.openxmlformats.org/markup-compatibility/2006">
-          <mc:Choice xmlns:p14="http://schemas.microsoft.com/office/powerpoint/2010/main" Requires="p14">
+        <mc:AlternateContent xmlns:mc="http://schemas.openxmlformats.org/markup-compatibility/2006" xmlns:p14="http://schemas.microsoft.com/office/powerpoint/2010/main">
+          <mc:Choice Requires="p14">
             <p:contentPart p14:bwMode="auto" r:id="rId14">
               <p14:nvContentPartPr>
                 <p14:cNvPr id="14" name="Ink 13">
@@ -22752,7 +22757,7 @@
               </p14:xfrm>
             </p:contentPart>
           </mc:Choice>
-          <mc:Fallback>
+          <mc:Fallback xmlns="">
             <p:pic>
               <p:nvPicPr>
                 <p:cNvPr id="14" name="Ink 13">
@@ -22804,8 +22809,8 @@
             <a:chExt cx="94320" cy="147240"/>
           </a:xfrm>
         </p:grpSpPr>
-        <mc:AlternateContent xmlns:mc="http://schemas.openxmlformats.org/markup-compatibility/2006">
-          <mc:Choice xmlns:p14="http://schemas.microsoft.com/office/powerpoint/2010/main" Requires="p14">
+        <mc:AlternateContent xmlns:mc="http://schemas.openxmlformats.org/markup-compatibility/2006" xmlns:p14="http://schemas.microsoft.com/office/powerpoint/2010/main">
+          <mc:Choice Requires="p14">
             <p:contentPart p14:bwMode="auto" r:id="rId16">
               <p14:nvContentPartPr>
                 <p14:cNvPr id="19" name="Ink 18">
@@ -22824,7 +22829,7 @@
               </p14:xfrm>
             </p:contentPart>
           </mc:Choice>
-          <mc:Fallback>
+          <mc:Fallback xmlns="">
             <p:pic>
               <p:nvPicPr>
                 <p:cNvPr id="19" name="Ink 18">
@@ -22855,8 +22860,8 @@
             </p:pic>
           </mc:Fallback>
         </mc:AlternateContent>
-        <mc:AlternateContent xmlns:mc="http://schemas.openxmlformats.org/markup-compatibility/2006">
-          <mc:Choice xmlns:p14="http://schemas.microsoft.com/office/powerpoint/2010/main" Requires="p14">
+        <mc:AlternateContent xmlns:mc="http://schemas.openxmlformats.org/markup-compatibility/2006" xmlns:p14="http://schemas.microsoft.com/office/powerpoint/2010/main">
+          <mc:Choice Requires="p14">
             <p:contentPart p14:bwMode="auto" r:id="rId18">
               <p14:nvContentPartPr>
                 <p14:cNvPr id="20" name="Ink 19">
@@ -22875,7 +22880,7 @@
               </p14:xfrm>
             </p:contentPart>
           </mc:Choice>
-          <mc:Fallback>
+          <mc:Fallback xmlns="">
             <p:pic>
               <p:nvPicPr>
                 <p:cNvPr id="20" name="Ink 19">
@@ -22927,8 +22932,8 @@
             <a:chExt cx="163800" cy="187560"/>
           </a:xfrm>
         </p:grpSpPr>
-        <mc:AlternateContent xmlns:mc="http://schemas.openxmlformats.org/markup-compatibility/2006">
-          <mc:Choice xmlns:p14="http://schemas.microsoft.com/office/powerpoint/2010/main" Requires="p14">
+        <mc:AlternateContent xmlns:mc="http://schemas.openxmlformats.org/markup-compatibility/2006" xmlns:p14="http://schemas.microsoft.com/office/powerpoint/2010/main">
+          <mc:Choice Requires="p14">
             <p:contentPart p14:bwMode="auto" r:id="rId20">
               <p14:nvContentPartPr>
                 <p14:cNvPr id="21" name="Ink 20">
@@ -22947,7 +22952,7 @@
               </p14:xfrm>
             </p:contentPart>
           </mc:Choice>
-          <mc:Fallback>
+          <mc:Fallback xmlns="">
             <p:pic>
               <p:nvPicPr>
                 <p:cNvPr id="21" name="Ink 20">
@@ -22978,8 +22983,8 @@
             </p:pic>
           </mc:Fallback>
         </mc:AlternateContent>
-        <mc:AlternateContent xmlns:mc="http://schemas.openxmlformats.org/markup-compatibility/2006">
-          <mc:Choice xmlns:p14="http://schemas.microsoft.com/office/powerpoint/2010/main" Requires="p14">
+        <mc:AlternateContent xmlns:mc="http://schemas.openxmlformats.org/markup-compatibility/2006" xmlns:p14="http://schemas.microsoft.com/office/powerpoint/2010/main">
+          <mc:Choice Requires="p14">
             <p:contentPart p14:bwMode="auto" r:id="rId22">
               <p14:nvContentPartPr>
                 <p14:cNvPr id="23" name="Ink 22">
@@ -22998,7 +23003,7 @@
               </p14:xfrm>
             </p:contentPart>
           </mc:Choice>
-          <mc:Fallback>
+          <mc:Fallback xmlns="">
             <p:pic>
               <p:nvPicPr>
                 <p:cNvPr id="23" name="Ink 22">
@@ -23029,8 +23034,8 @@
             </p:pic>
           </mc:Fallback>
         </mc:AlternateContent>
-        <mc:AlternateContent xmlns:mc="http://schemas.openxmlformats.org/markup-compatibility/2006">
-          <mc:Choice xmlns:p14="http://schemas.microsoft.com/office/powerpoint/2010/main" Requires="p14">
+        <mc:AlternateContent xmlns:mc="http://schemas.openxmlformats.org/markup-compatibility/2006" xmlns:p14="http://schemas.microsoft.com/office/powerpoint/2010/main">
+          <mc:Choice Requires="p14">
             <p:contentPart p14:bwMode="auto" r:id="rId24">
               <p14:nvContentPartPr>
                 <p14:cNvPr id="24" name="Ink 23">
@@ -23049,7 +23054,7 @@
               </p14:xfrm>
             </p:contentPart>
           </mc:Choice>
-          <mc:Fallback>
+          <mc:Fallback xmlns="">
             <p:pic>
               <p:nvPicPr>
                 <p:cNvPr id="24" name="Ink 23">
@@ -23101,8 +23106,8 @@
             <a:chExt cx="185400" cy="148320"/>
           </a:xfrm>
         </p:grpSpPr>
-        <mc:AlternateContent xmlns:mc="http://schemas.openxmlformats.org/markup-compatibility/2006">
-          <mc:Choice xmlns:p14="http://schemas.microsoft.com/office/powerpoint/2010/main" Requires="p14">
+        <mc:AlternateContent xmlns:mc="http://schemas.openxmlformats.org/markup-compatibility/2006" xmlns:p14="http://schemas.microsoft.com/office/powerpoint/2010/main">
+          <mc:Choice Requires="p14">
             <p:contentPart p14:bwMode="auto" r:id="rId26">
               <p14:nvContentPartPr>
                 <p14:cNvPr id="28" name="Ink 27">
@@ -23121,7 +23126,7 @@
               </p14:xfrm>
             </p:contentPart>
           </mc:Choice>
-          <mc:Fallback>
+          <mc:Fallback xmlns="">
             <p:pic>
               <p:nvPicPr>
                 <p:cNvPr id="28" name="Ink 27">
@@ -23152,8 +23157,8 @@
             </p:pic>
           </mc:Fallback>
         </mc:AlternateContent>
-        <mc:AlternateContent xmlns:mc="http://schemas.openxmlformats.org/markup-compatibility/2006">
-          <mc:Choice xmlns:p14="http://schemas.microsoft.com/office/powerpoint/2010/main" Requires="p14">
+        <mc:AlternateContent xmlns:mc="http://schemas.openxmlformats.org/markup-compatibility/2006" xmlns:p14="http://schemas.microsoft.com/office/powerpoint/2010/main">
+          <mc:Choice Requires="p14">
             <p:contentPart p14:bwMode="auto" r:id="rId28">
               <p14:nvContentPartPr>
                 <p14:cNvPr id="29" name="Ink 28">
@@ -23172,7 +23177,7 @@
               </p14:xfrm>
             </p:contentPart>
           </mc:Choice>
-          <mc:Fallback>
+          <mc:Fallback xmlns="">
             <p:pic>
               <p:nvPicPr>
                 <p:cNvPr id="29" name="Ink 28">
@@ -23224,8 +23229,8 @@
             <a:chExt cx="140040" cy="295920"/>
           </a:xfrm>
         </p:grpSpPr>
-        <mc:AlternateContent xmlns:mc="http://schemas.openxmlformats.org/markup-compatibility/2006">
-          <mc:Choice xmlns:p14="http://schemas.microsoft.com/office/powerpoint/2010/main" Requires="p14">
+        <mc:AlternateContent xmlns:mc="http://schemas.openxmlformats.org/markup-compatibility/2006" xmlns:p14="http://schemas.microsoft.com/office/powerpoint/2010/main">
+          <mc:Choice Requires="p14">
             <p:contentPart p14:bwMode="auto" r:id="rId30">
               <p14:nvContentPartPr>
                 <p14:cNvPr id="31" name="Ink 30">
@@ -23244,7 +23249,7 @@
               </p14:xfrm>
             </p:contentPart>
           </mc:Choice>
-          <mc:Fallback>
+          <mc:Fallback xmlns="">
             <p:pic>
               <p:nvPicPr>
                 <p:cNvPr id="31" name="Ink 30">
@@ -23275,8 +23280,8 @@
             </p:pic>
           </mc:Fallback>
         </mc:AlternateContent>
-        <mc:AlternateContent xmlns:mc="http://schemas.openxmlformats.org/markup-compatibility/2006">
-          <mc:Choice xmlns:p14="http://schemas.microsoft.com/office/powerpoint/2010/main" Requires="p14">
+        <mc:AlternateContent xmlns:mc="http://schemas.openxmlformats.org/markup-compatibility/2006" xmlns:p14="http://schemas.microsoft.com/office/powerpoint/2010/main">
+          <mc:Choice Requires="p14">
             <p:contentPart p14:bwMode="auto" r:id="rId32">
               <p14:nvContentPartPr>
                 <p14:cNvPr id="32" name="Ink 31">
@@ -23295,7 +23300,7 @@
               </p14:xfrm>
             </p:contentPart>
           </mc:Choice>
-          <mc:Fallback>
+          <mc:Fallback xmlns="">
             <p:pic>
               <p:nvPicPr>
                 <p:cNvPr id="32" name="Ink 31">
@@ -23347,8 +23352,8 @@
             <a:chExt cx="183960" cy="207360"/>
           </a:xfrm>
         </p:grpSpPr>
-        <mc:AlternateContent xmlns:mc="http://schemas.openxmlformats.org/markup-compatibility/2006">
-          <mc:Choice xmlns:p14="http://schemas.microsoft.com/office/powerpoint/2010/main" Requires="p14">
+        <mc:AlternateContent xmlns:mc="http://schemas.openxmlformats.org/markup-compatibility/2006" xmlns:p14="http://schemas.microsoft.com/office/powerpoint/2010/main">
+          <mc:Choice Requires="p14">
             <p:contentPart p14:bwMode="auto" r:id="rId34">
               <p14:nvContentPartPr>
                 <p14:cNvPr id="34" name="Ink 33">
@@ -23367,7 +23372,7 @@
               </p14:xfrm>
             </p:contentPart>
           </mc:Choice>
-          <mc:Fallback>
+          <mc:Fallback xmlns="">
             <p:pic>
               <p:nvPicPr>
                 <p:cNvPr id="34" name="Ink 33">
@@ -23398,8 +23403,8 @@
             </p:pic>
           </mc:Fallback>
         </mc:AlternateContent>
-        <mc:AlternateContent xmlns:mc="http://schemas.openxmlformats.org/markup-compatibility/2006">
-          <mc:Choice xmlns:p14="http://schemas.microsoft.com/office/powerpoint/2010/main" Requires="p14">
+        <mc:AlternateContent xmlns:mc="http://schemas.openxmlformats.org/markup-compatibility/2006" xmlns:p14="http://schemas.microsoft.com/office/powerpoint/2010/main">
+          <mc:Choice Requires="p14">
             <p:contentPart p14:bwMode="auto" r:id="rId36">
               <p14:nvContentPartPr>
                 <p14:cNvPr id="35" name="Ink 34">
@@ -23418,7 +23423,7 @@
               </p14:xfrm>
             </p:contentPart>
           </mc:Choice>
-          <mc:Fallback>
+          <mc:Fallback xmlns="">
             <p:pic>
               <p:nvPicPr>
                 <p:cNvPr id="35" name="Ink 34">
@@ -23449,8 +23454,8 @@
             </p:pic>
           </mc:Fallback>
         </mc:AlternateContent>
-        <mc:AlternateContent xmlns:mc="http://schemas.openxmlformats.org/markup-compatibility/2006">
-          <mc:Choice xmlns:p14="http://schemas.microsoft.com/office/powerpoint/2010/main" Requires="p14">
+        <mc:AlternateContent xmlns:mc="http://schemas.openxmlformats.org/markup-compatibility/2006" xmlns:p14="http://schemas.microsoft.com/office/powerpoint/2010/main">
+          <mc:Choice Requires="p14">
             <p:contentPart p14:bwMode="auto" r:id="rId38">
               <p14:nvContentPartPr>
                 <p14:cNvPr id="36" name="Ink 35">
@@ -23469,7 +23474,7 @@
               </p14:xfrm>
             </p:contentPart>
           </mc:Choice>
-          <mc:Fallback>
+          <mc:Fallback xmlns="">
             <p:pic>
               <p:nvPicPr>
                 <p:cNvPr id="36" name="Ink 35">
@@ -23501,8 +23506,8 @@
           </mc:Fallback>
         </mc:AlternateContent>
       </p:grpSp>
-      <mc:AlternateContent xmlns:mc="http://schemas.openxmlformats.org/markup-compatibility/2006">
-        <mc:Choice xmlns:p14="http://schemas.microsoft.com/office/powerpoint/2010/main" Requires="p14">
+      <mc:AlternateContent xmlns:mc="http://schemas.openxmlformats.org/markup-compatibility/2006" xmlns:p14="http://schemas.microsoft.com/office/powerpoint/2010/main">
+        <mc:Choice Requires="p14">
           <p:contentPart p14:bwMode="auto" r:id="rId40">
             <p14:nvContentPartPr>
               <p14:cNvPr id="38" name="Ink 37">
@@ -23521,7 +23526,7 @@
             </p14:xfrm>
           </p:contentPart>
         </mc:Choice>
-        <mc:Fallback>
+        <mc:Fallback xmlns="">
           <p:pic>
             <p:nvPicPr>
               <p:cNvPr id="38" name="Ink 37">
@@ -23552,8 +23557,8 @@
           </p:pic>
         </mc:Fallback>
       </mc:AlternateContent>
-      <mc:AlternateContent xmlns:mc="http://schemas.openxmlformats.org/markup-compatibility/2006">
-        <mc:Choice xmlns:p14="http://schemas.microsoft.com/office/powerpoint/2010/main" Requires="p14">
+      <mc:AlternateContent xmlns:mc="http://schemas.openxmlformats.org/markup-compatibility/2006" xmlns:p14="http://schemas.microsoft.com/office/powerpoint/2010/main">
+        <mc:Choice Requires="p14">
           <p:contentPart p14:bwMode="auto" r:id="rId42">
             <p14:nvContentPartPr>
               <p14:cNvPr id="39" name="Ink 38">
@@ -23572,7 +23577,7 @@
             </p14:xfrm>
           </p:contentPart>
         </mc:Choice>
-        <mc:Fallback>
+        <mc:Fallback xmlns="">
           <p:pic>
             <p:nvPicPr>
               <p:cNvPr id="39" name="Ink 38">
@@ -23603,8 +23608,8 @@
           </p:pic>
         </mc:Fallback>
       </mc:AlternateContent>
-      <mc:AlternateContent xmlns:mc="http://schemas.openxmlformats.org/markup-compatibility/2006">
-        <mc:Choice xmlns:p14="http://schemas.microsoft.com/office/powerpoint/2010/main" Requires="p14">
+      <mc:AlternateContent xmlns:mc="http://schemas.openxmlformats.org/markup-compatibility/2006" xmlns:p14="http://schemas.microsoft.com/office/powerpoint/2010/main">
+        <mc:Choice Requires="p14">
           <p:contentPart p14:bwMode="auto" r:id="rId43">
             <p14:nvContentPartPr>
               <p14:cNvPr id="42" name="Ink 41">
@@ -23623,7 +23628,7 @@
             </p14:xfrm>
           </p:contentPart>
         </mc:Choice>
-        <mc:Fallback>
+        <mc:Fallback xmlns="">
           <p:pic>
             <p:nvPicPr>
               <p:cNvPr id="42" name="Ink 41">
@@ -24883,8 +24888,8 @@
           </a:prstGeom>
         </p:spPr>
       </p:pic>
-      <mc:AlternateContent xmlns:mc="http://schemas.openxmlformats.org/markup-compatibility/2006">
-        <mc:Choice xmlns:p14="http://schemas.microsoft.com/office/powerpoint/2010/main" Requires="p14">
+      <mc:AlternateContent xmlns:mc="http://schemas.openxmlformats.org/markup-compatibility/2006" xmlns:p14="http://schemas.microsoft.com/office/powerpoint/2010/main">
+        <mc:Choice Requires="p14">
           <p:contentPart p14:bwMode="auto" r:id="rId4">
             <p14:nvContentPartPr>
               <p14:cNvPr id="12" name="Ink 11">
@@ -24903,7 +24908,7 @@
             </p14:xfrm>
           </p:contentPart>
         </mc:Choice>
-        <mc:Fallback>
+        <mc:Fallback xmlns="">
           <p:pic>
             <p:nvPicPr>
               <p:cNvPr id="12" name="Ink 11">
@@ -24934,8 +24939,8 @@
           </p:pic>
         </mc:Fallback>
       </mc:AlternateContent>
-      <mc:AlternateContent xmlns:mc="http://schemas.openxmlformats.org/markup-compatibility/2006">
-        <mc:Choice xmlns:p14="http://schemas.microsoft.com/office/powerpoint/2010/main" Requires="p14">
+      <mc:AlternateContent xmlns:mc="http://schemas.openxmlformats.org/markup-compatibility/2006" xmlns:p14="http://schemas.microsoft.com/office/powerpoint/2010/main">
+        <mc:Choice Requires="p14">
           <p:contentPart p14:bwMode="auto" r:id="rId6">
             <p14:nvContentPartPr>
               <p14:cNvPr id="16" name="Ink 15">
@@ -24954,7 +24959,7 @@
             </p14:xfrm>
           </p:contentPart>
         </mc:Choice>
-        <mc:Fallback>
+        <mc:Fallback xmlns="">
           <p:pic>
             <p:nvPicPr>
               <p:cNvPr id="16" name="Ink 15">
@@ -24985,8 +24990,8 @@
           </p:pic>
         </mc:Fallback>
       </mc:AlternateContent>
-      <mc:AlternateContent xmlns:mc="http://schemas.openxmlformats.org/markup-compatibility/2006">
-        <mc:Choice xmlns:p14="http://schemas.microsoft.com/office/powerpoint/2010/main" Requires="p14">
+      <mc:AlternateContent xmlns:mc="http://schemas.openxmlformats.org/markup-compatibility/2006" xmlns:p14="http://schemas.microsoft.com/office/powerpoint/2010/main">
+        <mc:Choice Requires="p14">
           <p:contentPart p14:bwMode="auto" r:id="rId8">
             <p14:nvContentPartPr>
               <p14:cNvPr id="17" name="Ink 16">
@@ -25005,7 +25010,7 @@
             </p14:xfrm>
           </p:contentPart>
         </mc:Choice>
-        <mc:Fallback>
+        <mc:Fallback xmlns="">
           <p:pic>
             <p:nvPicPr>
               <p:cNvPr id="17" name="Ink 16">
@@ -25036,8 +25041,8 @@
           </p:pic>
         </mc:Fallback>
       </mc:AlternateContent>
-      <mc:AlternateContent xmlns:mc="http://schemas.openxmlformats.org/markup-compatibility/2006">
-        <mc:Choice xmlns:p14="http://schemas.microsoft.com/office/powerpoint/2010/main" Requires="p14">
+      <mc:AlternateContent xmlns:mc="http://schemas.openxmlformats.org/markup-compatibility/2006" xmlns:p14="http://schemas.microsoft.com/office/powerpoint/2010/main">
+        <mc:Choice Requires="p14">
           <p:contentPart p14:bwMode="auto" r:id="rId10">
             <p14:nvContentPartPr>
               <p14:cNvPr id="18" name="Ink 17">
@@ -25056,7 +25061,7 @@
             </p14:xfrm>
           </p:contentPart>
         </mc:Choice>
-        <mc:Fallback>
+        <mc:Fallback xmlns="">
           <p:pic>
             <p:nvPicPr>
               <p:cNvPr id="18" name="Ink 17">
@@ -25087,8 +25092,8 @@
           </p:pic>
         </mc:Fallback>
       </mc:AlternateContent>
-      <mc:AlternateContent xmlns:mc="http://schemas.openxmlformats.org/markup-compatibility/2006">
-        <mc:Choice xmlns:p14="http://schemas.microsoft.com/office/powerpoint/2010/main" Requires="p14">
+      <mc:AlternateContent xmlns:mc="http://schemas.openxmlformats.org/markup-compatibility/2006" xmlns:p14="http://schemas.microsoft.com/office/powerpoint/2010/main">
+        <mc:Choice Requires="p14">
           <p:contentPart p14:bwMode="auto" r:id="rId12">
             <p14:nvContentPartPr>
               <p14:cNvPr id="19" name="Ink 18">
@@ -25107,7 +25112,7 @@
             </p14:xfrm>
           </p:contentPart>
         </mc:Choice>
-        <mc:Fallback>
+        <mc:Fallback xmlns="">
           <p:pic>
             <p:nvPicPr>
               <p:cNvPr id="19" name="Ink 18">
@@ -25158,8 +25163,8 @@
             <a:chExt cx="118800" cy="260640"/>
           </a:xfrm>
         </p:grpSpPr>
-        <mc:AlternateContent xmlns:mc="http://schemas.openxmlformats.org/markup-compatibility/2006">
-          <mc:Choice xmlns:p14="http://schemas.microsoft.com/office/powerpoint/2010/main" Requires="p14">
+        <mc:AlternateContent xmlns:mc="http://schemas.openxmlformats.org/markup-compatibility/2006" xmlns:p14="http://schemas.microsoft.com/office/powerpoint/2010/main">
+          <mc:Choice Requires="p14">
             <p:contentPart p14:bwMode="auto" r:id="rId14">
               <p14:nvContentPartPr>
                 <p14:cNvPr id="20" name="Ink 19">
@@ -25178,7 +25183,7 @@
               </p14:xfrm>
             </p:contentPart>
           </mc:Choice>
-          <mc:Fallback>
+          <mc:Fallback xmlns="">
             <p:pic>
               <p:nvPicPr>
                 <p:cNvPr id="20" name="Ink 19">
@@ -25209,8 +25214,8 @@
             </p:pic>
           </mc:Fallback>
         </mc:AlternateContent>
-        <mc:AlternateContent xmlns:mc="http://schemas.openxmlformats.org/markup-compatibility/2006">
-          <mc:Choice xmlns:p14="http://schemas.microsoft.com/office/powerpoint/2010/main" Requires="p14">
+        <mc:AlternateContent xmlns:mc="http://schemas.openxmlformats.org/markup-compatibility/2006" xmlns:p14="http://schemas.microsoft.com/office/powerpoint/2010/main">
+          <mc:Choice Requires="p14">
             <p:contentPart p14:bwMode="auto" r:id="rId16">
               <p14:nvContentPartPr>
                 <p14:cNvPr id="21" name="Ink 20">
@@ -25229,7 +25234,7 @@
               </p14:xfrm>
             </p:contentPart>
           </mc:Choice>
-          <mc:Fallback>
+          <mc:Fallback xmlns="">
             <p:pic>
               <p:nvPicPr>
                 <p:cNvPr id="21" name="Ink 20">
@@ -25281,8 +25286,8 @@
             <a:chExt cx="92520" cy="181080"/>
           </a:xfrm>
         </p:grpSpPr>
-        <mc:AlternateContent xmlns:mc="http://schemas.openxmlformats.org/markup-compatibility/2006">
-          <mc:Choice xmlns:p14="http://schemas.microsoft.com/office/powerpoint/2010/main" Requires="p14">
+        <mc:AlternateContent xmlns:mc="http://schemas.openxmlformats.org/markup-compatibility/2006" xmlns:p14="http://schemas.microsoft.com/office/powerpoint/2010/main">
+          <mc:Choice Requires="p14">
             <p:contentPart p14:bwMode="auto" r:id="rId18">
               <p14:nvContentPartPr>
                 <p14:cNvPr id="23" name="Ink 22">
@@ -25301,7 +25306,7 @@
               </p14:xfrm>
             </p:contentPart>
           </mc:Choice>
-          <mc:Fallback>
+          <mc:Fallback xmlns="">
             <p:pic>
               <p:nvPicPr>
                 <p:cNvPr id="23" name="Ink 22">
@@ -25332,8 +25337,8 @@
             </p:pic>
           </mc:Fallback>
         </mc:AlternateContent>
-        <mc:AlternateContent xmlns:mc="http://schemas.openxmlformats.org/markup-compatibility/2006">
-          <mc:Choice xmlns:p14="http://schemas.microsoft.com/office/powerpoint/2010/main" Requires="p14">
+        <mc:AlternateContent xmlns:mc="http://schemas.openxmlformats.org/markup-compatibility/2006" xmlns:p14="http://schemas.microsoft.com/office/powerpoint/2010/main">
+          <mc:Choice Requires="p14">
             <p:contentPart p14:bwMode="auto" r:id="rId20">
               <p14:nvContentPartPr>
                 <p14:cNvPr id="24" name="Ink 23">
@@ -25352,7 +25357,7 @@
               </p14:xfrm>
             </p:contentPart>
           </mc:Choice>
-          <mc:Fallback>
+          <mc:Fallback xmlns="">
             <p:pic>
               <p:nvPicPr>
                 <p:cNvPr id="24" name="Ink 23">
@@ -25384,8 +25389,8 @@
           </mc:Fallback>
         </mc:AlternateContent>
       </p:grpSp>
-      <mc:AlternateContent xmlns:mc="http://schemas.openxmlformats.org/markup-compatibility/2006">
-        <mc:Choice xmlns:p14="http://schemas.microsoft.com/office/powerpoint/2010/main" Requires="p14">
+      <mc:AlternateContent xmlns:mc="http://schemas.openxmlformats.org/markup-compatibility/2006" xmlns:p14="http://schemas.microsoft.com/office/powerpoint/2010/main">
+        <mc:Choice Requires="p14">
           <p:contentPart p14:bwMode="auto" r:id="rId22">
             <p14:nvContentPartPr>
               <p14:cNvPr id="26" name="Ink 25">
@@ -25404,7 +25409,7 @@
             </p14:xfrm>
           </p:contentPart>
         </mc:Choice>
-        <mc:Fallback>
+        <mc:Fallback xmlns="">
           <p:pic>
             <p:nvPicPr>
               <p:cNvPr id="26" name="Ink 25">
@@ -25455,8 +25460,8 @@
             <a:chExt cx="249840" cy="176040"/>
           </a:xfrm>
         </p:grpSpPr>
-        <mc:AlternateContent xmlns:mc="http://schemas.openxmlformats.org/markup-compatibility/2006">
-          <mc:Choice xmlns:p14="http://schemas.microsoft.com/office/powerpoint/2010/main" Requires="p14">
+        <mc:AlternateContent xmlns:mc="http://schemas.openxmlformats.org/markup-compatibility/2006" xmlns:p14="http://schemas.microsoft.com/office/powerpoint/2010/main">
+          <mc:Choice Requires="p14">
             <p:contentPart p14:bwMode="auto" r:id="rId24">
               <p14:nvContentPartPr>
                 <p14:cNvPr id="27" name="Ink 26">
@@ -25475,7 +25480,7 @@
               </p14:xfrm>
             </p:contentPart>
           </mc:Choice>
-          <mc:Fallback>
+          <mc:Fallback xmlns="">
             <p:pic>
               <p:nvPicPr>
                 <p:cNvPr id="27" name="Ink 26">
@@ -25506,8 +25511,8 @@
             </p:pic>
           </mc:Fallback>
         </mc:AlternateContent>
-        <mc:AlternateContent xmlns:mc="http://schemas.openxmlformats.org/markup-compatibility/2006">
-          <mc:Choice xmlns:p14="http://schemas.microsoft.com/office/powerpoint/2010/main" Requires="p14">
+        <mc:AlternateContent xmlns:mc="http://schemas.openxmlformats.org/markup-compatibility/2006" xmlns:p14="http://schemas.microsoft.com/office/powerpoint/2010/main">
+          <mc:Choice Requires="p14">
             <p:contentPart p14:bwMode="auto" r:id="rId26">
               <p14:nvContentPartPr>
                 <p14:cNvPr id="28" name="Ink 27">
@@ -25526,7 +25531,7 @@
               </p14:xfrm>
             </p:contentPart>
           </mc:Choice>
-          <mc:Fallback>
+          <mc:Fallback xmlns="">
             <p:pic>
               <p:nvPicPr>
                 <p:cNvPr id="28" name="Ink 27">
@@ -25558,8 +25563,8 @@
           </mc:Fallback>
         </mc:AlternateContent>
       </p:grpSp>
-      <mc:AlternateContent xmlns:mc="http://schemas.openxmlformats.org/markup-compatibility/2006">
-        <mc:Choice xmlns:p14="http://schemas.microsoft.com/office/powerpoint/2010/main" Requires="p14">
+      <mc:AlternateContent xmlns:mc="http://schemas.openxmlformats.org/markup-compatibility/2006" xmlns:p14="http://schemas.microsoft.com/office/powerpoint/2010/main">
+        <mc:Choice Requires="p14">
           <p:contentPart p14:bwMode="auto" r:id="rId28">
             <p14:nvContentPartPr>
               <p14:cNvPr id="30" name="Ink 29">
@@ -25578,7 +25583,7 @@
             </p14:xfrm>
           </p:contentPart>
         </mc:Choice>
-        <mc:Fallback>
+        <mc:Fallback xmlns="">
           <p:pic>
             <p:nvPicPr>
               <p:cNvPr id="30" name="Ink 29">
@@ -25609,8 +25614,8 @@
           </p:pic>
         </mc:Fallback>
       </mc:AlternateContent>
-      <mc:AlternateContent xmlns:mc="http://schemas.openxmlformats.org/markup-compatibility/2006">
-        <mc:Choice xmlns:p14="http://schemas.microsoft.com/office/powerpoint/2010/main" Requires="p14">
+      <mc:AlternateContent xmlns:mc="http://schemas.openxmlformats.org/markup-compatibility/2006" xmlns:p14="http://schemas.microsoft.com/office/powerpoint/2010/main">
+        <mc:Choice Requires="p14">
           <p:contentPart p14:bwMode="auto" r:id="rId30">
             <p14:nvContentPartPr>
               <p14:cNvPr id="31" name="Ink 30">
@@ -25629,7 +25634,7 @@
             </p14:xfrm>
           </p:contentPart>
         </mc:Choice>
-        <mc:Fallback>
+        <mc:Fallback xmlns="">
           <p:pic>
             <p:nvPicPr>
               <p:cNvPr id="31" name="Ink 30">
@@ -26032,8 +26037,8 @@
           </a:prstGeom>
         </p:spPr>
       </p:pic>
-      <mc:AlternateContent xmlns:mc="http://schemas.openxmlformats.org/markup-compatibility/2006">
-        <mc:Choice xmlns:p14="http://schemas.microsoft.com/office/powerpoint/2010/main" Requires="p14">
+      <mc:AlternateContent xmlns:mc="http://schemas.openxmlformats.org/markup-compatibility/2006" xmlns:p14="http://schemas.microsoft.com/office/powerpoint/2010/main">
+        <mc:Choice Requires="p14">
           <p:contentPart p14:bwMode="auto" r:id="rId4">
             <p14:nvContentPartPr>
               <p14:cNvPr id="12" name="Ink 11">
@@ -26052,7 +26057,7 @@
             </p14:xfrm>
           </p:contentPart>
         </mc:Choice>
-        <mc:Fallback>
+        <mc:Fallback xmlns="">
           <p:pic>
             <p:nvPicPr>
               <p:cNvPr id="12" name="Ink 11">
@@ -26083,8 +26088,8 @@
           </p:pic>
         </mc:Fallback>
       </mc:AlternateContent>
-      <mc:AlternateContent xmlns:mc="http://schemas.openxmlformats.org/markup-compatibility/2006">
-        <mc:Choice xmlns:p14="http://schemas.microsoft.com/office/powerpoint/2010/main" Requires="p14">
+      <mc:AlternateContent xmlns:mc="http://schemas.openxmlformats.org/markup-compatibility/2006" xmlns:p14="http://schemas.microsoft.com/office/powerpoint/2010/main">
+        <mc:Choice Requires="p14">
           <p:contentPart p14:bwMode="auto" r:id="rId6">
             <p14:nvContentPartPr>
               <p14:cNvPr id="16" name="Ink 15">
@@ -26103,7 +26108,7 @@
             </p14:xfrm>
           </p:contentPart>
         </mc:Choice>
-        <mc:Fallback>
+        <mc:Fallback xmlns="">
           <p:pic>
             <p:nvPicPr>
               <p:cNvPr id="16" name="Ink 15">
@@ -26134,8 +26139,8 @@
           </p:pic>
         </mc:Fallback>
       </mc:AlternateContent>
-      <mc:AlternateContent xmlns:mc="http://schemas.openxmlformats.org/markup-compatibility/2006">
-        <mc:Choice xmlns:p14="http://schemas.microsoft.com/office/powerpoint/2010/main" Requires="p14">
+      <mc:AlternateContent xmlns:mc="http://schemas.openxmlformats.org/markup-compatibility/2006" xmlns:p14="http://schemas.microsoft.com/office/powerpoint/2010/main">
+        <mc:Choice Requires="p14">
           <p:contentPart p14:bwMode="auto" r:id="rId8">
             <p14:nvContentPartPr>
               <p14:cNvPr id="17" name="Ink 16">
@@ -26154,7 +26159,7 @@
             </p14:xfrm>
           </p:contentPart>
         </mc:Choice>
-        <mc:Fallback>
+        <mc:Fallback xmlns="">
           <p:pic>
             <p:nvPicPr>
               <p:cNvPr id="17" name="Ink 16">
@@ -26185,8 +26190,8 @@
           </p:pic>
         </mc:Fallback>
       </mc:AlternateContent>
-      <mc:AlternateContent xmlns:mc="http://schemas.openxmlformats.org/markup-compatibility/2006">
-        <mc:Choice xmlns:p14="http://schemas.microsoft.com/office/powerpoint/2010/main" Requires="p14">
+      <mc:AlternateContent xmlns:mc="http://schemas.openxmlformats.org/markup-compatibility/2006" xmlns:p14="http://schemas.microsoft.com/office/powerpoint/2010/main">
+        <mc:Choice Requires="p14">
           <p:contentPart p14:bwMode="auto" r:id="rId10">
             <p14:nvContentPartPr>
               <p14:cNvPr id="18" name="Ink 17">
@@ -26205,7 +26210,7 @@
             </p14:xfrm>
           </p:contentPart>
         </mc:Choice>
-        <mc:Fallback>
+        <mc:Fallback xmlns="">
           <p:pic>
             <p:nvPicPr>
               <p:cNvPr id="18" name="Ink 17">
@@ -26236,8 +26241,8 @@
           </p:pic>
         </mc:Fallback>
       </mc:AlternateContent>
-      <mc:AlternateContent xmlns:mc="http://schemas.openxmlformats.org/markup-compatibility/2006">
-        <mc:Choice xmlns:p14="http://schemas.microsoft.com/office/powerpoint/2010/main" Requires="p14">
+      <mc:AlternateContent xmlns:mc="http://schemas.openxmlformats.org/markup-compatibility/2006" xmlns:p14="http://schemas.microsoft.com/office/powerpoint/2010/main">
+        <mc:Choice Requires="p14">
           <p:contentPart p14:bwMode="auto" r:id="rId12">
             <p14:nvContentPartPr>
               <p14:cNvPr id="19" name="Ink 18">
@@ -26256,7 +26261,7 @@
             </p14:xfrm>
           </p:contentPart>
         </mc:Choice>
-        <mc:Fallback>
+        <mc:Fallback xmlns="">
           <p:pic>
             <p:nvPicPr>
               <p:cNvPr id="19" name="Ink 18">
@@ -26307,8 +26312,8 @@
             <a:chExt cx="118800" cy="260640"/>
           </a:xfrm>
         </p:grpSpPr>
-        <mc:AlternateContent xmlns:mc="http://schemas.openxmlformats.org/markup-compatibility/2006">
-          <mc:Choice xmlns:p14="http://schemas.microsoft.com/office/powerpoint/2010/main" Requires="p14">
+        <mc:AlternateContent xmlns:mc="http://schemas.openxmlformats.org/markup-compatibility/2006" xmlns:p14="http://schemas.microsoft.com/office/powerpoint/2010/main">
+          <mc:Choice Requires="p14">
             <p:contentPart p14:bwMode="auto" r:id="rId14">
               <p14:nvContentPartPr>
                 <p14:cNvPr id="20" name="Ink 19">
@@ -26327,7 +26332,7 @@
               </p14:xfrm>
             </p:contentPart>
           </mc:Choice>
-          <mc:Fallback>
+          <mc:Fallback xmlns="">
             <p:pic>
               <p:nvPicPr>
                 <p:cNvPr id="20" name="Ink 19">
@@ -26358,8 +26363,8 @@
             </p:pic>
           </mc:Fallback>
         </mc:AlternateContent>
-        <mc:AlternateContent xmlns:mc="http://schemas.openxmlformats.org/markup-compatibility/2006">
-          <mc:Choice xmlns:p14="http://schemas.microsoft.com/office/powerpoint/2010/main" Requires="p14">
+        <mc:AlternateContent xmlns:mc="http://schemas.openxmlformats.org/markup-compatibility/2006" xmlns:p14="http://schemas.microsoft.com/office/powerpoint/2010/main">
+          <mc:Choice Requires="p14">
             <p:contentPart p14:bwMode="auto" r:id="rId16">
               <p14:nvContentPartPr>
                 <p14:cNvPr id="21" name="Ink 20">
@@ -26378,7 +26383,7 @@
               </p14:xfrm>
             </p:contentPart>
           </mc:Choice>
-          <mc:Fallback>
+          <mc:Fallback xmlns="">
             <p:pic>
               <p:nvPicPr>
                 <p:cNvPr id="21" name="Ink 20">
@@ -26430,8 +26435,8 @@
             <a:chExt cx="92520" cy="181080"/>
           </a:xfrm>
         </p:grpSpPr>
-        <mc:AlternateContent xmlns:mc="http://schemas.openxmlformats.org/markup-compatibility/2006">
-          <mc:Choice xmlns:p14="http://schemas.microsoft.com/office/powerpoint/2010/main" Requires="p14">
+        <mc:AlternateContent xmlns:mc="http://schemas.openxmlformats.org/markup-compatibility/2006" xmlns:p14="http://schemas.microsoft.com/office/powerpoint/2010/main">
+          <mc:Choice Requires="p14">
             <p:contentPart p14:bwMode="auto" r:id="rId18">
               <p14:nvContentPartPr>
                 <p14:cNvPr id="23" name="Ink 22">
@@ -26450,7 +26455,7 @@
               </p14:xfrm>
             </p:contentPart>
           </mc:Choice>
-          <mc:Fallback>
+          <mc:Fallback xmlns="">
             <p:pic>
               <p:nvPicPr>
                 <p:cNvPr id="23" name="Ink 22">
@@ -26481,8 +26486,8 @@
             </p:pic>
           </mc:Fallback>
         </mc:AlternateContent>
-        <mc:AlternateContent xmlns:mc="http://schemas.openxmlformats.org/markup-compatibility/2006">
-          <mc:Choice xmlns:p14="http://schemas.microsoft.com/office/powerpoint/2010/main" Requires="p14">
+        <mc:AlternateContent xmlns:mc="http://schemas.openxmlformats.org/markup-compatibility/2006" xmlns:p14="http://schemas.microsoft.com/office/powerpoint/2010/main">
+          <mc:Choice Requires="p14">
             <p:contentPart p14:bwMode="auto" r:id="rId20">
               <p14:nvContentPartPr>
                 <p14:cNvPr id="24" name="Ink 23">
@@ -26501,7 +26506,7 @@
               </p14:xfrm>
             </p:contentPart>
           </mc:Choice>
-          <mc:Fallback>
+          <mc:Fallback xmlns="">
             <p:pic>
               <p:nvPicPr>
                 <p:cNvPr id="24" name="Ink 23">
@@ -26533,8 +26538,8 @@
           </mc:Fallback>
         </mc:AlternateContent>
       </p:grpSp>
-      <mc:AlternateContent xmlns:mc="http://schemas.openxmlformats.org/markup-compatibility/2006">
-        <mc:Choice xmlns:p14="http://schemas.microsoft.com/office/powerpoint/2010/main" Requires="p14">
+      <mc:AlternateContent xmlns:mc="http://schemas.openxmlformats.org/markup-compatibility/2006" xmlns:p14="http://schemas.microsoft.com/office/powerpoint/2010/main">
+        <mc:Choice Requires="p14">
           <p:contentPart p14:bwMode="auto" r:id="rId22">
             <p14:nvContentPartPr>
               <p14:cNvPr id="26" name="Ink 25">
@@ -26553,7 +26558,7 @@
             </p14:xfrm>
           </p:contentPart>
         </mc:Choice>
-        <mc:Fallback>
+        <mc:Fallback xmlns="">
           <p:pic>
             <p:nvPicPr>
               <p:cNvPr id="26" name="Ink 25">
@@ -26604,8 +26609,8 @@
             <a:chExt cx="249840" cy="176040"/>
           </a:xfrm>
         </p:grpSpPr>
-        <mc:AlternateContent xmlns:mc="http://schemas.openxmlformats.org/markup-compatibility/2006">
-          <mc:Choice xmlns:p14="http://schemas.microsoft.com/office/powerpoint/2010/main" Requires="p14">
+        <mc:AlternateContent xmlns:mc="http://schemas.openxmlformats.org/markup-compatibility/2006" xmlns:p14="http://schemas.microsoft.com/office/powerpoint/2010/main">
+          <mc:Choice Requires="p14">
             <p:contentPart p14:bwMode="auto" r:id="rId24">
               <p14:nvContentPartPr>
                 <p14:cNvPr id="27" name="Ink 26">
@@ -26624,7 +26629,7 @@
               </p14:xfrm>
             </p:contentPart>
           </mc:Choice>
-          <mc:Fallback>
+          <mc:Fallback xmlns="">
             <p:pic>
               <p:nvPicPr>
                 <p:cNvPr id="27" name="Ink 26">
@@ -26655,8 +26660,8 @@
             </p:pic>
           </mc:Fallback>
         </mc:AlternateContent>
-        <mc:AlternateContent xmlns:mc="http://schemas.openxmlformats.org/markup-compatibility/2006">
-          <mc:Choice xmlns:p14="http://schemas.microsoft.com/office/powerpoint/2010/main" Requires="p14">
+        <mc:AlternateContent xmlns:mc="http://schemas.openxmlformats.org/markup-compatibility/2006" xmlns:p14="http://schemas.microsoft.com/office/powerpoint/2010/main">
+          <mc:Choice Requires="p14">
             <p:contentPart p14:bwMode="auto" r:id="rId26">
               <p14:nvContentPartPr>
                 <p14:cNvPr id="28" name="Ink 27">
@@ -26675,7 +26680,7 @@
               </p14:xfrm>
             </p:contentPart>
           </mc:Choice>
-          <mc:Fallback>
+          <mc:Fallback xmlns="">
             <p:pic>
               <p:nvPicPr>
                 <p:cNvPr id="28" name="Ink 27">
@@ -26707,8 +26712,8 @@
           </mc:Fallback>
         </mc:AlternateContent>
       </p:grpSp>
-      <mc:AlternateContent xmlns:mc="http://schemas.openxmlformats.org/markup-compatibility/2006">
-        <mc:Choice xmlns:p14="http://schemas.microsoft.com/office/powerpoint/2010/main" Requires="p14">
+      <mc:AlternateContent xmlns:mc="http://schemas.openxmlformats.org/markup-compatibility/2006" xmlns:p14="http://schemas.microsoft.com/office/powerpoint/2010/main">
+        <mc:Choice Requires="p14">
           <p:contentPart p14:bwMode="auto" r:id="rId28">
             <p14:nvContentPartPr>
               <p14:cNvPr id="30" name="Ink 29">
@@ -26727,7 +26732,7 @@
             </p14:xfrm>
           </p:contentPart>
         </mc:Choice>
-        <mc:Fallback>
+        <mc:Fallback xmlns="">
           <p:pic>
             <p:nvPicPr>
               <p:cNvPr id="30" name="Ink 29">
@@ -26758,8 +26763,8 @@
           </p:pic>
         </mc:Fallback>
       </mc:AlternateContent>
-      <mc:AlternateContent xmlns:mc="http://schemas.openxmlformats.org/markup-compatibility/2006">
-        <mc:Choice xmlns:p14="http://schemas.microsoft.com/office/powerpoint/2010/main" Requires="p14">
+      <mc:AlternateContent xmlns:mc="http://schemas.openxmlformats.org/markup-compatibility/2006" xmlns:p14="http://schemas.microsoft.com/office/powerpoint/2010/main">
+        <mc:Choice Requires="p14">
           <p:contentPart p14:bwMode="auto" r:id="rId30">
             <p14:nvContentPartPr>
               <p14:cNvPr id="3" name="Ink 2">
@@ -26778,7 +26783,7 @@
             </p14:xfrm>
           </p:contentPart>
         </mc:Choice>
-        <mc:Fallback>
+        <mc:Fallback xmlns="">
           <p:pic>
             <p:nvPicPr>
               <p:cNvPr id="3" name="Ink 2">
@@ -26809,8 +26814,8 @@
           </p:pic>
         </mc:Fallback>
       </mc:AlternateContent>
-      <mc:AlternateContent xmlns:mc="http://schemas.openxmlformats.org/markup-compatibility/2006">
-        <mc:Choice xmlns:p14="http://schemas.microsoft.com/office/powerpoint/2010/main" Requires="p14">
+      <mc:AlternateContent xmlns:mc="http://schemas.openxmlformats.org/markup-compatibility/2006" xmlns:p14="http://schemas.microsoft.com/office/powerpoint/2010/main">
+        <mc:Choice Requires="p14">
           <p:contentPart p14:bwMode="auto" r:id="rId32">
             <p14:nvContentPartPr>
               <p14:cNvPr id="6" name="Ink 5">
@@ -26829,7 +26834,7 @@
             </p14:xfrm>
           </p:contentPart>
         </mc:Choice>
-        <mc:Fallback>
+        <mc:Fallback xmlns="">
           <p:pic>
             <p:nvPicPr>
               <p:cNvPr id="6" name="Ink 5">
@@ -26860,8 +26865,8 @@
           </p:pic>
         </mc:Fallback>
       </mc:AlternateContent>
-      <mc:AlternateContent xmlns:mc="http://schemas.openxmlformats.org/markup-compatibility/2006">
-        <mc:Choice xmlns:p14="http://schemas.microsoft.com/office/powerpoint/2010/main" Requires="p14">
+      <mc:AlternateContent xmlns:mc="http://schemas.openxmlformats.org/markup-compatibility/2006" xmlns:p14="http://schemas.microsoft.com/office/powerpoint/2010/main">
+        <mc:Choice Requires="p14">
           <p:contentPart p14:bwMode="auto" r:id="rId34">
             <p14:nvContentPartPr>
               <p14:cNvPr id="7" name="Ink 6">
@@ -26880,7 +26885,7 @@
             </p14:xfrm>
           </p:contentPart>
         </mc:Choice>
-        <mc:Fallback>
+        <mc:Fallback xmlns="">
           <p:pic>
             <p:nvPicPr>
               <p:cNvPr id="7" name="Ink 6">
@@ -26911,8 +26916,8 @@
           </p:pic>
         </mc:Fallback>
       </mc:AlternateContent>
-      <mc:AlternateContent xmlns:mc="http://schemas.openxmlformats.org/markup-compatibility/2006">
-        <mc:Choice xmlns:p14="http://schemas.microsoft.com/office/powerpoint/2010/main" Requires="p14">
+      <mc:AlternateContent xmlns:mc="http://schemas.openxmlformats.org/markup-compatibility/2006" xmlns:p14="http://schemas.microsoft.com/office/powerpoint/2010/main">
+        <mc:Choice Requires="p14">
           <p:contentPart p14:bwMode="auto" r:id="rId35">
             <p14:nvContentPartPr>
               <p14:cNvPr id="8" name="Ink 7">
@@ -26931,7 +26936,7 @@
             </p14:xfrm>
           </p:contentPart>
         </mc:Choice>
-        <mc:Fallback>
+        <mc:Fallback xmlns="">
           <p:pic>
             <p:nvPicPr>
               <p:cNvPr id="8" name="Ink 7">
@@ -26982,8 +26987,8 @@
             <a:chExt cx="174600" cy="123480"/>
           </a:xfrm>
         </p:grpSpPr>
-        <mc:AlternateContent xmlns:mc="http://schemas.openxmlformats.org/markup-compatibility/2006">
-          <mc:Choice xmlns:p14="http://schemas.microsoft.com/office/powerpoint/2010/main" Requires="p14">
+        <mc:AlternateContent xmlns:mc="http://schemas.openxmlformats.org/markup-compatibility/2006" xmlns:p14="http://schemas.microsoft.com/office/powerpoint/2010/main">
+          <mc:Choice Requires="p14">
             <p:contentPart p14:bwMode="auto" r:id="rId37">
               <p14:nvContentPartPr>
                 <p14:cNvPr id="9" name="Ink 8">
@@ -27002,7 +27007,7 @@
               </p14:xfrm>
             </p:contentPart>
           </mc:Choice>
-          <mc:Fallback>
+          <mc:Fallback xmlns="">
             <p:pic>
               <p:nvPicPr>
                 <p:cNvPr id="9" name="Ink 8">
@@ -27033,8 +27038,8 @@
             </p:pic>
           </mc:Fallback>
         </mc:AlternateContent>
-        <mc:AlternateContent xmlns:mc="http://schemas.openxmlformats.org/markup-compatibility/2006">
-          <mc:Choice xmlns:p14="http://schemas.microsoft.com/office/powerpoint/2010/main" Requires="p14">
+        <mc:AlternateContent xmlns:mc="http://schemas.openxmlformats.org/markup-compatibility/2006" xmlns:p14="http://schemas.microsoft.com/office/powerpoint/2010/main">
+          <mc:Choice Requires="p14">
             <p:contentPart p14:bwMode="auto" r:id="rId39">
               <p14:nvContentPartPr>
                 <p14:cNvPr id="10" name="Ink 9">
@@ -27053,7 +27058,7 @@
               </p14:xfrm>
             </p:contentPart>
           </mc:Choice>
-          <mc:Fallback>
+          <mc:Fallback xmlns="">
             <p:pic>
               <p:nvPicPr>
                 <p:cNvPr id="10" name="Ink 9">
@@ -27105,8 +27110,8 @@
             <a:chExt cx="226440" cy="172080"/>
           </a:xfrm>
         </p:grpSpPr>
-        <mc:AlternateContent xmlns:mc="http://schemas.openxmlformats.org/markup-compatibility/2006">
-          <mc:Choice xmlns:p14="http://schemas.microsoft.com/office/powerpoint/2010/main" Requires="p14">
+        <mc:AlternateContent xmlns:mc="http://schemas.openxmlformats.org/markup-compatibility/2006" xmlns:p14="http://schemas.microsoft.com/office/powerpoint/2010/main">
+          <mc:Choice Requires="p14">
             <p:contentPart p14:bwMode="auto" r:id="rId41">
               <p14:nvContentPartPr>
                 <p14:cNvPr id="15" name="Ink 14">
@@ -27125,7 +27130,7 @@
               </p14:xfrm>
             </p:contentPart>
           </mc:Choice>
-          <mc:Fallback>
+          <mc:Fallback xmlns="">
             <p:pic>
               <p:nvPicPr>
                 <p:cNvPr id="15" name="Ink 14">
@@ -27156,8 +27161,8 @@
             </p:pic>
           </mc:Fallback>
         </mc:AlternateContent>
-        <mc:AlternateContent xmlns:mc="http://schemas.openxmlformats.org/markup-compatibility/2006">
-          <mc:Choice xmlns:p14="http://schemas.microsoft.com/office/powerpoint/2010/main" Requires="p14">
+        <mc:AlternateContent xmlns:mc="http://schemas.openxmlformats.org/markup-compatibility/2006" xmlns:p14="http://schemas.microsoft.com/office/powerpoint/2010/main">
+          <mc:Choice Requires="p14">
             <p:contentPart p14:bwMode="auto" r:id="rId43">
               <p14:nvContentPartPr>
                 <p14:cNvPr id="31" name="Ink 30">
@@ -27176,7 +27181,7 @@
               </p14:xfrm>
             </p:contentPart>
           </mc:Choice>
-          <mc:Fallback>
+          <mc:Fallback xmlns="">
             <p:pic>
               <p:nvPicPr>
                 <p:cNvPr id="31" name="Ink 30">
@@ -27238,8 +27243,8 @@
           </a:prstGeom>
         </p:spPr>
       </p:pic>
-      <mc:AlternateContent xmlns:mc="http://schemas.openxmlformats.org/markup-compatibility/2006">
-        <mc:Choice xmlns:p14="http://schemas.microsoft.com/office/powerpoint/2010/main" Requires="p14">
+      <mc:AlternateContent xmlns:mc="http://schemas.openxmlformats.org/markup-compatibility/2006" xmlns:p14="http://schemas.microsoft.com/office/powerpoint/2010/main">
+        <mc:Choice Requires="p14">
           <p:contentPart p14:bwMode="auto" r:id="rId46">
             <p14:nvContentPartPr>
               <p14:cNvPr id="37" name="Ink 36">
@@ -27258,7 +27263,7 @@
             </p14:xfrm>
           </p:contentPart>
         </mc:Choice>
-        <mc:Fallback>
+        <mc:Fallback xmlns="">
           <p:pic>
             <p:nvPicPr>
               <p:cNvPr id="37" name="Ink 36">
@@ -27289,8 +27294,8 @@
           </p:pic>
         </mc:Fallback>
       </mc:AlternateContent>
-      <mc:AlternateContent xmlns:mc="http://schemas.openxmlformats.org/markup-compatibility/2006">
-        <mc:Choice xmlns:p14="http://schemas.microsoft.com/office/powerpoint/2010/main" Requires="p14">
+      <mc:AlternateContent xmlns:mc="http://schemas.openxmlformats.org/markup-compatibility/2006" xmlns:p14="http://schemas.microsoft.com/office/powerpoint/2010/main">
+        <mc:Choice Requires="p14">
           <p:contentPart p14:bwMode="auto" r:id="rId48">
             <p14:nvContentPartPr>
               <p14:cNvPr id="38" name="Ink 37">
@@ -27309,7 +27314,7 @@
             </p14:xfrm>
           </p:contentPart>
         </mc:Choice>
-        <mc:Fallback>
+        <mc:Fallback xmlns="">
           <p:pic>
             <p:nvPicPr>
               <p:cNvPr id="38" name="Ink 37">
@@ -27340,8 +27345,8 @@
           </p:pic>
         </mc:Fallback>
       </mc:AlternateContent>
-      <mc:AlternateContent xmlns:mc="http://schemas.openxmlformats.org/markup-compatibility/2006">
-        <mc:Choice xmlns:p14="http://schemas.microsoft.com/office/powerpoint/2010/main" Requires="p14">
+      <mc:AlternateContent xmlns:mc="http://schemas.openxmlformats.org/markup-compatibility/2006" xmlns:p14="http://schemas.microsoft.com/office/powerpoint/2010/main">
+        <mc:Choice Requires="p14">
           <p:contentPart p14:bwMode="auto" r:id="rId49">
             <p14:nvContentPartPr>
               <p14:cNvPr id="42" name="Ink 41">
@@ -27360,7 +27365,7 @@
             </p14:xfrm>
           </p:contentPart>
         </mc:Choice>
-        <mc:Fallback>
+        <mc:Fallback xmlns="">
           <p:pic>
             <p:nvPicPr>
               <p:cNvPr id="42" name="Ink 41">
@@ -27391,8 +27396,8 @@
           </p:pic>
         </mc:Fallback>
       </mc:AlternateContent>
-      <mc:AlternateContent xmlns:mc="http://schemas.openxmlformats.org/markup-compatibility/2006">
-        <mc:Choice xmlns:p14="http://schemas.microsoft.com/office/powerpoint/2010/main" Requires="p14">
+      <mc:AlternateContent xmlns:mc="http://schemas.openxmlformats.org/markup-compatibility/2006" xmlns:p14="http://schemas.microsoft.com/office/powerpoint/2010/main">
+        <mc:Choice Requires="p14">
           <p:contentPart p14:bwMode="auto" r:id="rId51">
             <p14:nvContentPartPr>
               <p14:cNvPr id="43" name="Ink 42">
@@ -27411,7 +27416,7 @@
             </p14:xfrm>
           </p:contentPart>
         </mc:Choice>
-        <mc:Fallback>
+        <mc:Fallback xmlns="">
           <p:pic>
             <p:nvPicPr>
               <p:cNvPr id="43" name="Ink 42">
@@ -29586,7 +29591,7 @@
             </a:pPr>
             <a:r>
               <a:rPr lang="en-US" sz="2800" dirty="0"/>
-              <a:t>What is Connected Component in Graph ?</a:t>
+              <a:t>What is Bridge in Graph ?</a:t>
             </a:r>
             <a:endParaRPr sz="2400" dirty="0"/>
           </a:p>
@@ -29786,7 +29791,9 @@
             <a:r>
               <a:rPr lang="en-US" sz="2400" dirty="0">
                 <a:solidFill>
-                  <a:srgbClr val="00B050"/>
+                  <a:schemeClr val="bg1">
+                    <a:lumMod val="10000"/>
+                  </a:schemeClr>
                 </a:solidFill>
               </a:rPr>
               <a:t>B. 	A set of vertices where each vertex can visit 	every other vertex in the set, and no vertex is 	connected to any outside the set.</a:t>
@@ -29826,9 +29833,7 @@
             <a:r>
               <a:rPr lang="en-US" sz="2400" dirty="0">
                 <a:solidFill>
-                  <a:schemeClr val="bg1">
-                    <a:lumMod val="10000"/>
-                  </a:schemeClr>
+                  <a:srgbClr val="00B050"/>
                 </a:solidFill>
               </a:rPr>
               <a:t>D. 	Is a edge if you remove it then increases the 	number of connected components graph</a:t>

--- a/AnhVanChuyenNganh/Finding Bridges.pptx
+++ b/AnhVanChuyenNganh/Finding Bridges.pptx
@@ -36,7 +36,7 @@
     <p:sldId id="327" r:id="rId27"/>
     <p:sldId id="325" r:id="rId28"/>
     <p:sldId id="328" r:id="rId29"/>
-    <p:sldId id="329" r:id="rId30"/>
+    <p:sldId id="332" r:id="rId30"/>
     <p:sldId id="330" r:id="rId31"/>
     <p:sldId id="331" r:id="rId32"/>
     <p:sldId id="283" r:id="rId33"/>
@@ -4693,7 +4693,7 @@
     </p:spTree>
     <p:extLst>
       <p:ext uri="{BB962C8B-B14F-4D97-AF65-F5344CB8AC3E}">
-        <p14:creationId xmlns:p14="http://schemas.microsoft.com/office/powerpoint/2010/main" val="1896519936"/>
+        <p14:creationId xmlns:p14="http://schemas.microsoft.com/office/powerpoint/2010/main" val="3154000417"/>
       </p:ext>
     </p:extLst>
   </p:cSld>
@@ -21652,7 +21652,7 @@
         </p:nvSpPr>
         <p:spPr>
           <a:xfrm>
-            <a:off x="554995" y="413281"/>
+            <a:off x="438583" y="344951"/>
             <a:ext cx="7704000" cy="572700"/>
           </a:xfrm>
           <a:prstGeom prst="rect">
@@ -21749,8 +21749,8 @@
         </p:blipFill>
         <p:spPr>
           <a:xfrm>
-            <a:off x="369831" y="1158802"/>
-            <a:ext cx="4540483" cy="2825895"/>
+            <a:off x="438583" y="984242"/>
+            <a:ext cx="5817838" cy="3620892"/>
           </a:xfrm>
           <a:prstGeom prst="rect">
             <a:avLst/>
@@ -21771,8 +21771,8 @@
         </p:nvSpPr>
         <p:spPr>
           <a:xfrm>
-            <a:off x="4846350" y="1604159"/>
-            <a:ext cx="4572000" cy="2031325"/>
+            <a:off x="6393925" y="1363527"/>
+            <a:ext cx="2983174" cy="3139321"/>
           </a:xfrm>
           <a:prstGeom prst="rect">
             <a:avLst/>
@@ -21802,7 +21802,7 @@
                   </a:schemeClr>
                 </a:solidFill>
               </a:rPr>
-              <a:t> - Num[u]: index </a:t>
+              <a:t>Num[u]: index </a:t>
             </a:r>
             <a:r>
               <a:rPr lang="en-US" sz="1800" dirty="0" err="1">
@@ -21822,8 +21822,26 @@
                   </a:schemeClr>
                 </a:solidFill>
               </a:rPr>
-              <a:t> to u</a:t>
+              <a:t> to u (discovery order)</a:t>
             </a:r>
+          </a:p>
+          <a:p>
+            <a:pPr marL="0" lvl="0" indent="0" algn="l" rtl="0">
+              <a:spcBef>
+                <a:spcPts val="0"/>
+              </a:spcBef>
+              <a:spcAft>
+                <a:spcPts val="0"/>
+              </a:spcAft>
+              <a:buNone/>
+            </a:pPr>
+            <a:endParaRPr lang="en-US" sz="1800" dirty="0">
+              <a:solidFill>
+                <a:schemeClr val="bg1">
+                  <a:lumMod val="10000"/>
+                </a:schemeClr>
+              </a:solidFill>
+            </a:endParaRPr>
           </a:p>
           <a:p>
             <a:pPr marL="0" lvl="0" indent="0" algn="l" rtl="0">
@@ -21843,7 +21861,7 @@
                   </a:schemeClr>
                 </a:solidFill>
               </a:rPr>
-              <a:t> - Low[u] : num[</a:t>
+              <a:t>Low[u] : num[</a:t>
             </a:r>
             <a:r>
               <a:rPr lang="en-US" sz="1800" dirty="0" err="1">
@@ -21863,7 +21881,7 @@
                   </a:schemeClr>
                 </a:solidFill>
               </a:rPr>
-              <a:t>] smallest that can </a:t>
+              <a:t>] smallest that can visit from </a:t>
             </a:r>
             <a:r>
               <a:rPr lang="en-US" sz="1800" dirty="0" err="1">
@@ -21883,7 +21901,7 @@
                   </a:schemeClr>
                 </a:solidFill>
               </a:rPr>
-              <a:t>-&gt;u </a:t>
+              <a:t> to u </a:t>
             </a:r>
           </a:p>
           <a:p>
@@ -21954,15 +21972,13 @@
             </a:r>
           </a:p>
           <a:p>
-            <a:pPr marL="171450" lvl="0" indent="-171450" algn="l" rtl="0">
-              <a:spcBef>
-                <a:spcPts val="0"/>
-              </a:spcBef>
-              <a:spcAft>
-                <a:spcPts val="0"/>
-              </a:spcAft>
-              <a:buFontTx/>
-              <a:buChar char="-"/>
+            <a:pPr lvl="0" algn="l" rtl="0">
+              <a:spcBef>
+                <a:spcPts val="0"/>
+              </a:spcBef>
+              <a:spcAft>
+                <a:spcPts val="0"/>
+              </a:spcAft>
             </a:pPr>
             <a:r>
               <a:rPr lang="en-US" sz="1800" dirty="0">
@@ -21972,7 +21988,27 @@
                   </a:schemeClr>
                 </a:solidFill>
               </a:rPr>
-              <a:t>If (num[v] == low[v]) =&gt; (</a:t>
+              <a:t>If (num[v] == low[v]) </a:t>
+            </a:r>
+          </a:p>
+          <a:p>
+            <a:pPr lvl="0" algn="l" rtl="0">
+              <a:spcBef>
+                <a:spcPts val="0"/>
+              </a:spcBef>
+              <a:spcAft>
+                <a:spcPts val="0"/>
+              </a:spcAft>
+            </a:pPr>
+            <a:r>
+              <a:rPr lang="en-US" sz="1800" dirty="0">
+                <a:solidFill>
+                  <a:schemeClr val="bg1">
+                    <a:lumMod val="10000"/>
+                  </a:schemeClr>
+                </a:solidFill>
+              </a:rPr>
+              <a:t>then (</a:t>
             </a:r>
             <a:r>
               <a:rPr lang="en-US" sz="1800" dirty="0" err="1">
@@ -24572,24 +24608,7 @@
                   </a:schemeClr>
                 </a:solidFill>
               </a:rPr>
-              <a:t>DFS 3 (form 1 -&gt; 3, but visited 3) </a:t>
-            </a:r>
-          </a:p>
-          <a:p>
-            <a:pPr marL="0" indent="0" algn="l">
-              <a:spcAft>
-                <a:spcPts val="1600"/>
-              </a:spcAft>
-            </a:pPr>
-            <a:r>
-              <a:rPr lang="en-US" sz="1600" dirty="0">
-                <a:solidFill>
-                  <a:schemeClr val="bg1">
-                    <a:lumMod val="10000"/>
-                  </a:schemeClr>
-                </a:solidFill>
-              </a:rPr>
-              <a:t>=&gt; </a:t>
+              <a:t>Because 3 was visited =&gt; </a:t>
             </a:r>
             <a:r>
               <a:rPr lang="en-US" sz="1600" dirty="0">
@@ -29303,7 +29322,7 @@
             </a:pPr>
             <a:r>
               <a:rPr lang="en-US" sz="2800" dirty="0"/>
-              <a:t>The algorithm is suitable for the problem of finding bridge in graphs?</a:t>
+              <a:t>The algorithm is suitable for the problem finding bridge in graphs?</a:t>
             </a:r>
             <a:endParaRPr sz="2400" dirty="0"/>
           </a:p>
@@ -29457,7 +29476,7 @@
         </p:nvSpPr>
         <p:spPr>
           <a:xfrm>
-            <a:off x="945483" y="1666027"/>
+            <a:off x="945483" y="1427474"/>
             <a:ext cx="7846348" cy="527700"/>
           </a:xfrm>
           <a:prstGeom prst="rect">
@@ -29745,7 +29764,7 @@
         </p:nvSpPr>
         <p:spPr>
           <a:xfrm>
-            <a:off x="945483" y="1562899"/>
+            <a:off x="945483" y="1666027"/>
             <a:ext cx="7846348" cy="527700"/>
           </a:xfrm>
           <a:prstGeom prst="rect">
@@ -29877,7 +29896,7 @@
             </a:pPr>
             <a:r>
               <a:rPr lang="en-US" sz="2800" dirty="0"/>
-              <a:t>What is Connected Component in Graph ?</a:t>
+              <a:t>What is Bridge in Graph ?</a:t>
             </a:r>
             <a:endParaRPr sz="2400" dirty="0"/>
           </a:p>
@@ -29992,7 +30011,7 @@
     </p:spTree>
     <p:extLst>
       <p:ext uri="{BB962C8B-B14F-4D97-AF65-F5344CB8AC3E}">
-        <p14:creationId xmlns:p14="http://schemas.microsoft.com/office/powerpoint/2010/main" val="1648318854"/>
+        <p14:creationId xmlns:p14="http://schemas.microsoft.com/office/powerpoint/2010/main" val="3830444971"/>
       </p:ext>
     </p:extLst>
   </p:cSld>

--- a/AnhVanChuyenNganh/Finding Bridges.pptx
+++ b/AnhVanChuyenNganh/Finding Bridges.pptx
@@ -34001,7 +34001,15 @@
             </a:r>
             <a:r>
               <a:rPr lang="en-US" dirty="0"/>
-              <a:t>First we need to recall some concepts of graphs.”</a:t>
+              <a:t>To understand </a:t>
+            </a:r>
+            <a:r>
+              <a:rPr lang="en-US"/>
+              <a:t>Finding Bridges, </a:t>
+            </a:r>
+            <a:r>
+              <a:rPr lang="en-US" dirty="0"/>
+              <a:t>we need to recall some concepts of graphs.”</a:t>
             </a:r>
             <a:endParaRPr dirty="0"/>
           </a:p>
